--- a/presentation/presentation_capstone.pptx
+++ b/presentation/presentation_capstone.pptx
@@ -6066,7 +6066,7 @@
                   <a:srgbClr val="FFFFFF"/>
                 </a:solidFill>
               </a:rPr>
-              <a:t>• Census Data are important for model performance </a:t>
+              <a:t>• Census Data are important for model performance.</a:t>
             </a:r>
             <a:br>
               <a:rPr lang="en-US" sz="1900" dirty="0">
@@ -6081,7 +6081,7 @@
                   <a:srgbClr val="FFFFFF"/>
                 </a:solidFill>
               </a:rPr>
-              <a:t>• ”</a:t>
+              <a:t>• “</a:t>
             </a:r>
             <a:r>
               <a:rPr lang="en-US" sz="1900" b="1" dirty="0" err="1">
@@ -6097,7 +6097,15 @@
                   <a:srgbClr val="FFFFFF"/>
                 </a:solidFill>
               </a:rPr>
-              <a:t>” features are good predictors</a:t>
+              <a:t>” features are </a:t>
+            </a:r>
+            <a:r>
+              <a:rPr lang="en-US" sz="1900">
+                <a:solidFill>
+                  <a:srgbClr val="FFFFFF"/>
+                </a:solidFill>
+              </a:rPr>
+              <a:t>good predictors.</a:t>
             </a:r>
             <a:br>
               <a:rPr lang="en-US" sz="1900" dirty="0">
@@ -8164,7 +8172,7 @@
         <p:spPr>
           <a:xfrm>
             <a:off x="594358" y="2531066"/>
-            <a:ext cx="11166717" cy="3970318"/>
+            <a:ext cx="11166717" cy="4247317"/>
           </a:xfrm>
           <a:prstGeom prst="rect">
             <a:avLst/>
@@ -8185,7 +8193,15 @@
           <a:p>
             <a:r>
               <a:rPr lang="en-US" dirty="0"/>
-              <a:t>• Commercial information collect from Google Places API alone are not good predictors for home affordability ratios</a:t>
+              <a:t>• Commercial activities information collected from Google Places API </a:t>
+            </a:r>
+            <a:r>
+              <a:rPr lang="en-US" b="1" dirty="0"/>
+              <a:t>alone</a:t>
+            </a:r>
+            <a:r>
+              <a:rPr lang="en-US" dirty="0"/>
+              <a:t> are not good predictors for home affordability ratios; Using features combined with Census data improved model performance.</a:t>
             </a:r>
           </a:p>
           <a:p>
@@ -8206,13 +8222,13 @@
           <a:p>
             <a:r>
               <a:rPr lang="en-US" dirty="0"/>
-              <a:t>• Improve data quality</a:t>
+              <a:t>• Improve data quality </a:t>
             </a:r>
           </a:p>
           <a:p>
             <a:r>
               <a:rPr lang="en-US" dirty="0"/>
-              <a:t>• Reevaluate the assumptions: are commercial activities in a neighborhood predictive for home affordability ratios? </a:t>
+              <a:t>• Reevaluate the assumption: are commercial activities in a neighborhood predictive for home affordability ratios? </a:t>
             </a:r>
           </a:p>
           <a:p>

--- a/presentation/presentation_capstone.pptx
+++ b/presentation/presentation_capstone.pptx
@@ -5602,7 +5602,7 @@
                   <a:srgbClr val="FFFFFF"/>
                 </a:solidFill>
               </a:rPr>
-              <a:t> to handle missing data: Pattern 0 &amp; Pattern 1</a:t>
+              <a:t> technique to divide dataset into Pattern 0 &amp; Pattern 1</a:t>
             </a:r>
             <a:br>
               <a:rPr lang="en-US" sz="1900" dirty="0">
@@ -5639,7 +5639,7 @@
                   <a:srgbClr val="FFFFFF"/>
                 </a:solidFill>
               </a:rPr>
-              <a:t>Linear Regression(+ L1, L2, PCA),  Polynomial Regression, KNN, Tree Based, SVR, Stochastic Gradient Decent</a:t>
+              <a:t>Linear Regression(combined with L1, L2, PCA),  Polynomial Regression, KNN, Tree Based, SVR, Stochastic Gradient Decent</a:t>
             </a:r>
             <a:br>
               <a:rPr lang="en-US" sz="1900" dirty="0">
@@ -6097,15 +6097,7 @@
                   <a:srgbClr val="FFFFFF"/>
                 </a:solidFill>
               </a:rPr>
-              <a:t>” features are </a:t>
-            </a:r>
-            <a:r>
-              <a:rPr lang="en-US" sz="1900">
-                <a:solidFill>
-                  <a:srgbClr val="FFFFFF"/>
-                </a:solidFill>
-              </a:rPr>
-              <a:t>good predictors.</a:t>
+              <a:t>” features are good predictors.</a:t>
             </a:r>
             <a:br>
               <a:rPr lang="en-US" sz="1900" dirty="0">
@@ -6359,7 +6351,7 @@
                   <a:srgbClr val="FFFFFF"/>
                 </a:solidFill>
               </a:rPr>
-              <a:t>• Goal: Train the model on NYS dataset WITHOUT census features, then test it on the LA Dataset</a:t>
+              <a:t>• Goal: Train the model on NYS dataset WITHOUT  any census features, then test it on the LA Dataset</a:t>
             </a:r>
             <a:br>
               <a:rPr lang="en-US" sz="1900" dirty="0">
@@ -8222,7 +8214,7 @@
           <a:p>
             <a:r>
               <a:rPr lang="en-US" dirty="0"/>
-              <a:t>• Improve data quality </a:t>
+              <a:t>• Improve data quality: Sampling data from different regions in the U.S, and stratify the samples</a:t>
             </a:r>
           </a:p>
           <a:p>
@@ -15315,16 +15307,6 @@
               </a:rPr>
               <a:t>Project Workflow</a:t>
             </a:r>
-            <a:br>
-              <a:rPr lang="en-US" sz="2600" b="1" kern="1200" dirty="0">
-                <a:solidFill>
-                  <a:srgbClr val="FFFFFF"/>
-                </a:solidFill>
-                <a:latin typeface="+mj-lt"/>
-                <a:ea typeface="+mj-ea"/>
-                <a:cs typeface="+mj-cs"/>
-              </a:rPr>
-            </a:br>
             <a:endParaRPr lang="en-US" sz="2600" kern="1200" dirty="0">
               <a:solidFill>
                 <a:srgbClr val="FFFFFF"/>

--- a/presentation/presentation_capstone.pptx
+++ b/presentation/presentation_capstone.pptx
@@ -120,6 +120,11 @@
       </a:defRPr>
     </a:lvl9pPr>
   </p:defaultTextStyle>
+  <p:extLst>
+    <p:ext uri="{EFAFB233-063F-42B5-8137-9DF3F51BA10A}">
+      <p15:sldGuideLst xmlns:p15="http://schemas.microsoft.com/office/powerpoint/2012/main"/>
+    </p:ext>
+  </p:extLst>
 </p:presentation>
 </file>
 
@@ -205,7 +210,7 @@
           <a:p>
             <a:fld id="{1F356287-F624-E848-934A-1E5A22312927}" type="datetimeFigureOut">
               <a:rPr lang="en-US" smtClean="0"/>
-              <a:t>3/12/20</a:t>
+              <a:t>3/13/20</a:t>
             </a:fld>
             <a:endParaRPr lang="en-US"/>
           </a:p>
@@ -787,7 +792,7 @@
           <a:p>
             <a:fld id="{B26DBD95-8955-CA4C-AF40-89AA61109DE6}" type="datetimeFigureOut">
               <a:rPr lang="en-US" smtClean="0"/>
-              <a:t>3/12/20</a:t>
+              <a:t>3/13/20</a:t>
             </a:fld>
             <a:endParaRPr lang="en-US"/>
           </a:p>
@@ -985,7 +990,7 @@
           <a:p>
             <a:fld id="{B26DBD95-8955-CA4C-AF40-89AA61109DE6}" type="datetimeFigureOut">
               <a:rPr lang="en-US" smtClean="0"/>
-              <a:t>3/12/20</a:t>
+              <a:t>3/13/20</a:t>
             </a:fld>
             <a:endParaRPr lang="en-US"/>
           </a:p>
@@ -1193,7 +1198,7 @@
           <a:p>
             <a:fld id="{B26DBD95-8955-CA4C-AF40-89AA61109DE6}" type="datetimeFigureOut">
               <a:rPr lang="en-US" smtClean="0"/>
-              <a:t>3/12/20</a:t>
+              <a:t>3/13/20</a:t>
             </a:fld>
             <a:endParaRPr lang="en-US"/>
           </a:p>
@@ -1391,7 +1396,7 @@
           <a:p>
             <a:fld id="{B26DBD95-8955-CA4C-AF40-89AA61109DE6}" type="datetimeFigureOut">
               <a:rPr lang="en-US" smtClean="0"/>
-              <a:t>3/12/20</a:t>
+              <a:t>3/13/20</a:t>
             </a:fld>
             <a:endParaRPr lang="en-US"/>
           </a:p>
@@ -1666,7 +1671,7 @@
           <a:p>
             <a:fld id="{B26DBD95-8955-CA4C-AF40-89AA61109DE6}" type="datetimeFigureOut">
               <a:rPr lang="en-US" smtClean="0"/>
-              <a:t>3/12/20</a:t>
+              <a:t>3/13/20</a:t>
             </a:fld>
             <a:endParaRPr lang="en-US"/>
           </a:p>
@@ -1931,7 +1936,7 @@
           <a:p>
             <a:fld id="{B26DBD95-8955-CA4C-AF40-89AA61109DE6}" type="datetimeFigureOut">
               <a:rPr lang="en-US" smtClean="0"/>
-              <a:t>3/12/20</a:t>
+              <a:t>3/13/20</a:t>
             </a:fld>
             <a:endParaRPr lang="en-US"/>
           </a:p>
@@ -2343,7 +2348,7 @@
           <a:p>
             <a:fld id="{B26DBD95-8955-CA4C-AF40-89AA61109DE6}" type="datetimeFigureOut">
               <a:rPr lang="en-US" smtClean="0"/>
-              <a:t>3/12/20</a:t>
+              <a:t>3/13/20</a:t>
             </a:fld>
             <a:endParaRPr lang="en-US"/>
           </a:p>
@@ -2484,7 +2489,7 @@
           <a:p>
             <a:fld id="{B26DBD95-8955-CA4C-AF40-89AA61109DE6}" type="datetimeFigureOut">
               <a:rPr lang="en-US" smtClean="0"/>
-              <a:t>3/12/20</a:t>
+              <a:t>3/13/20</a:t>
             </a:fld>
             <a:endParaRPr lang="en-US"/>
           </a:p>
@@ -2597,7 +2602,7 @@
           <a:p>
             <a:fld id="{B26DBD95-8955-CA4C-AF40-89AA61109DE6}" type="datetimeFigureOut">
               <a:rPr lang="en-US" smtClean="0"/>
-              <a:t>3/12/20</a:t>
+              <a:t>3/13/20</a:t>
             </a:fld>
             <a:endParaRPr lang="en-US"/>
           </a:p>
@@ -2908,7 +2913,7 @@
           <a:p>
             <a:fld id="{B26DBD95-8955-CA4C-AF40-89AA61109DE6}" type="datetimeFigureOut">
               <a:rPr lang="en-US" smtClean="0"/>
-              <a:t>3/12/20</a:t>
+              <a:t>3/13/20</a:t>
             </a:fld>
             <a:endParaRPr lang="en-US"/>
           </a:p>
@@ -3196,7 +3201,7 @@
           <a:p>
             <a:fld id="{B26DBD95-8955-CA4C-AF40-89AA61109DE6}" type="datetimeFigureOut">
               <a:rPr lang="en-US" smtClean="0"/>
-              <a:t>3/12/20</a:t>
+              <a:t>3/13/20</a:t>
             </a:fld>
             <a:endParaRPr lang="en-US"/>
           </a:p>
@@ -3437,7 +3442,7 @@
           <a:p>
             <a:fld id="{B26DBD95-8955-CA4C-AF40-89AA61109DE6}" type="datetimeFigureOut">
               <a:rPr lang="en-US" smtClean="0"/>
-              <a:t>3/12/20</a:t>
+              <a:t>3/13/20</a:t>
             </a:fld>
             <a:endParaRPr lang="en-US"/>
           </a:p>
@@ -6526,10 +6531,10 @@
       </p:sp>
       <p:pic>
         <p:nvPicPr>
-          <p:cNvPr id="4" name="Picture 3" descr="A close up of a map&#10;&#10;Description automatically generated">
+          <p:cNvPr id="8" name="Picture 7" descr="A screenshot of a cell phone&#10;&#10;Description automatically generated">
             <a:extLst>
               <a:ext uri="{FF2B5EF4-FFF2-40B4-BE49-F238E27FC236}">
-                <a16:creationId xmlns:a16="http://schemas.microsoft.com/office/drawing/2014/main" id="{ADF6CE0F-023D-9741-9E5A-E4B7F62EEFDD}"/>
+                <a16:creationId xmlns:a16="http://schemas.microsoft.com/office/drawing/2014/main" id="{524C9C63-9FA9-2747-92CB-6E576829C755}"/>
               </a:ext>
             </a:extLst>
           </p:cNvPr>
@@ -6546,8 +6551,8 @@
         </p:blipFill>
         <p:spPr>
           <a:xfrm>
-            <a:off x="6033491" y="49861"/>
-            <a:ext cx="4400105" cy="3432953"/>
+            <a:off x="5949652" y="137375"/>
+            <a:ext cx="4391192" cy="3317789"/>
           </a:xfrm>
           <a:prstGeom prst="rect">
             <a:avLst/>
@@ -6556,10 +6561,10 @@
       </p:pic>
       <p:pic>
         <p:nvPicPr>
-          <p:cNvPr id="8" name="Picture 7" descr="A screenshot of a cell phone&#10;&#10;Description automatically generated">
+          <p:cNvPr id="3" name="Picture 2" descr="A screenshot of a cell phone&#10;&#10;Description automatically generated">
             <a:extLst>
               <a:ext uri="{FF2B5EF4-FFF2-40B4-BE49-F238E27FC236}">
-                <a16:creationId xmlns:a16="http://schemas.microsoft.com/office/drawing/2014/main" id="{524C9C63-9FA9-2747-92CB-6E576829C755}"/>
+                <a16:creationId xmlns:a16="http://schemas.microsoft.com/office/drawing/2014/main" id="{0D5F40FE-DAF9-B24A-A464-77FF173D4AE5}"/>
               </a:ext>
             </a:extLst>
           </p:cNvPr>
@@ -6576,8 +6581,8 @@
         </p:blipFill>
         <p:spPr>
           <a:xfrm>
-            <a:off x="6077265" y="3429000"/>
-            <a:ext cx="4391192" cy="3317789"/>
+            <a:off x="6033491" y="3455164"/>
+            <a:ext cx="4357403" cy="3374055"/>
           </a:xfrm>
           <a:prstGeom prst="rect">
             <a:avLst/>
@@ -14887,7 +14892,7 @@
         </p:spPr>
         <p:txBody>
           <a:bodyPr vert="horz" lIns="91440" tIns="45720" rIns="91440" bIns="45720" rtlCol="0" anchor="ctr">
-            <a:normAutofit fontScale="92500" lnSpcReduction="20000"/>
+            <a:normAutofit/>
           </a:bodyPr>
           <a:lstStyle/>
           <a:p>
@@ -14955,49 +14960,6 @@
               </a:spcAft>
             </a:pPr>
             <a:endParaRPr lang="en-US" sz="2400" b="1" dirty="0"/>
-          </a:p>
-          <a:p>
-            <a:pPr marL="342900" indent="-342900">
-              <a:lnSpc>
-                <a:spcPct val="90000"/>
-              </a:lnSpc>
-              <a:spcAft>
-                <a:spcPts val="600"/>
-              </a:spcAft>
-              <a:buFont typeface="Arial" panose="020B0604020202020204" pitchFamily="34" charset="0"/>
-              <a:buChar char="•"/>
-            </a:pPr>
-            <a:r>
-              <a:rPr lang="en-US" sz="2400" dirty="0"/>
-              <a:t>Target Client: municipalities and the general public</a:t>
-            </a:r>
-          </a:p>
-          <a:p>
-            <a:pPr>
-              <a:lnSpc>
-                <a:spcPct val="90000"/>
-              </a:lnSpc>
-              <a:spcAft>
-                <a:spcPts val="600"/>
-              </a:spcAft>
-            </a:pPr>
-            <a:endParaRPr lang="en-US" sz="2400" dirty="0"/>
-          </a:p>
-          <a:p>
-            <a:pPr marL="342900" indent="-342900">
-              <a:lnSpc>
-                <a:spcPct val="90000"/>
-              </a:lnSpc>
-              <a:spcAft>
-                <a:spcPts val="600"/>
-              </a:spcAft>
-              <a:buFont typeface="Arial" panose="020B0604020202020204" pitchFamily="34" charset="0"/>
-              <a:buChar char="•"/>
-            </a:pPr>
-            <a:r>
-              <a:rPr lang="en-US" sz="2400" dirty="0"/>
-              <a:t>Metric: R2 score</a:t>
-            </a:r>
           </a:p>
           <a:p>
             <a:pPr>
